--- a/slides/OSL640-Week3.pptx
+++ b/slides/OSL640-Week3.pptx
@@ -334,7 +334,7 @@
           <a:p>
             <a:fld id="{92107E4A-59D9-C648-BC62-133DA4EC414F}" type="datetimeFigureOut">
               <a:rPr lang="en-US" smtClean="0"/>
-              <a:t>9/6/2021</a:t>
+              <a:t>8/4/2023</a:t>
             </a:fld>
             <a:endParaRPr lang="en-US"/>
           </a:p>
@@ -738,7 +738,7 @@
           <a:p>
             <a:fld id="{4AB1357F-A277-7442-BEE7-4FE250216E54}" type="datetimeFigureOut">
               <a:rPr lang="en-US" smtClean="0"/>
-              <a:t>9/6/2021</a:t>
+              <a:t>8/4/2023</a:t>
             </a:fld>
             <a:endParaRPr lang="en-US"/>
           </a:p>
@@ -947,7 +947,7 @@
           <a:p>
             <a:fld id="{4AB1357F-A277-7442-BEE7-4FE250216E54}" type="datetimeFigureOut">
               <a:rPr lang="en-US" smtClean="0"/>
-              <a:t>9/6/2021</a:t>
+              <a:t>8/4/2023</a:t>
             </a:fld>
             <a:endParaRPr lang="en-US"/>
           </a:p>
@@ -1160,7 +1160,7 @@
           <a:p>
             <a:fld id="{4AB1357F-A277-7442-BEE7-4FE250216E54}" type="datetimeFigureOut">
               <a:rPr lang="en-US" smtClean="0"/>
-              <a:t>9/6/2021</a:t>
+              <a:t>8/4/2023</a:t>
             </a:fld>
             <a:endParaRPr lang="en-US"/>
           </a:p>
@@ -1359,7 +1359,7 @@
           <a:p>
             <a:fld id="{4AB1357F-A277-7442-BEE7-4FE250216E54}" type="datetimeFigureOut">
               <a:rPr lang="en-US" smtClean="0"/>
-              <a:t>9/6/2021</a:t>
+              <a:t>8/4/2023</a:t>
             </a:fld>
             <a:endParaRPr lang="en-US"/>
           </a:p>
@@ -1637,7 +1637,7 @@
           <a:p>
             <a:fld id="{4AB1357F-A277-7442-BEE7-4FE250216E54}" type="datetimeFigureOut">
               <a:rPr lang="en-US" smtClean="0"/>
-              <a:t>9/6/2021</a:t>
+              <a:t>8/4/2023</a:t>
             </a:fld>
             <a:endParaRPr lang="en-US"/>
           </a:p>
@@ -1902,7 +1902,7 @@
           <a:p>
             <a:fld id="{4AB1357F-A277-7442-BEE7-4FE250216E54}" type="datetimeFigureOut">
               <a:rPr lang="en-US" smtClean="0"/>
-              <a:t>9/6/2021</a:t>
+              <a:t>8/4/2023</a:t>
             </a:fld>
             <a:endParaRPr lang="en-US"/>
           </a:p>
@@ -2315,7 +2315,7 @@
           <a:p>
             <a:fld id="{4AB1357F-A277-7442-BEE7-4FE250216E54}" type="datetimeFigureOut">
               <a:rPr lang="en-US" smtClean="0"/>
-              <a:t>9/6/2021</a:t>
+              <a:t>8/4/2023</a:t>
             </a:fld>
             <a:endParaRPr lang="en-US"/>
           </a:p>
@@ -2463,7 +2463,7 @@
           <a:p>
             <a:fld id="{4AB1357F-A277-7442-BEE7-4FE250216E54}" type="datetimeFigureOut">
               <a:rPr lang="en-US" smtClean="0"/>
-              <a:t>9/6/2021</a:t>
+              <a:t>8/4/2023</a:t>
             </a:fld>
             <a:endParaRPr lang="en-US"/>
           </a:p>
@@ -2589,7 +2589,7 @@
           <a:p>
             <a:fld id="{4AB1357F-A277-7442-BEE7-4FE250216E54}" type="datetimeFigureOut">
               <a:rPr lang="en-US" smtClean="0"/>
-              <a:t>9/6/2021</a:t>
+              <a:t>8/4/2023</a:t>
             </a:fld>
             <a:endParaRPr lang="en-US"/>
           </a:p>
@@ -2838,7 +2838,7 @@
           <a:p>
             <a:fld id="{4AB1357F-A277-7442-BEE7-4FE250216E54}" type="datetimeFigureOut">
               <a:rPr lang="en-US" smtClean="0"/>
-              <a:t>9/6/2021</a:t>
+              <a:t>8/4/2023</a:t>
             </a:fld>
             <a:endParaRPr lang="en-US"/>
           </a:p>
@@ -3281,7 +3281,7 @@
           <a:p>
             <a:fld id="{4AB1357F-A277-7442-BEE7-4FE250216E54}" type="datetimeFigureOut">
               <a:rPr lang="en-US" smtClean="0"/>
-              <a:t>9/6/2021</a:t>
+              <a:t>8/4/2023</a:t>
             </a:fld>
             <a:endParaRPr lang="en-US"/>
           </a:p>
@@ -3606,7 +3606,7 @@
           <a:p>
             <a:fld id="{4AB1357F-A277-7442-BEE7-4FE250216E54}" type="datetimeFigureOut">
               <a:rPr lang="en-US" smtClean="0"/>
-              <a:t>9/6/2021</a:t>
+              <a:t>8/4/2023</a:t>
             </a:fld>
             <a:endParaRPr lang="en-US"/>
           </a:p>
@@ -4905,7 +4905,7 @@
         </p:spPr>
         <p:txBody>
           <a:bodyPr>
-            <a:normAutofit lnSpcReduction="10000"/>
+            <a:normAutofit/>
           </a:bodyPr>
           <a:lstStyle/>
           <a:p>
@@ -4913,67 +4913,67 @@
               <a:buNone/>
             </a:pPr>
             <a:r>
-              <a:rPr lang="en-US" b="1"/>
+              <a:rPr lang="en-US" b="1" dirty="0"/>
               <a:t>File Name Expansion</a:t>
             </a:r>
           </a:p>
           <a:p>
             <a:pPr lvl="1"/>
             <a:r>
-              <a:rPr lang="en-US"/>
+              <a:rPr lang="en-US" dirty="0"/>
               <a:t>Purpose</a:t>
             </a:r>
           </a:p>
           <a:p>
             <a:pPr lvl="1"/>
             <a:r>
-              <a:rPr lang="en-US"/>
+              <a:rPr lang="en-US" dirty="0"/>
               <a:t>Special characters for Filename Expansion: </a:t>
             </a:r>
             <a:r>
-              <a:rPr lang="en-US" b="1">
+              <a:rPr lang="en-US" b="1" dirty="0">
                 <a:latin typeface="Courier New" panose="02070309020205020404" pitchFamily="49" charset="0"/>
                 <a:cs typeface="Courier New" panose="02070309020205020404" pitchFamily="49" charset="0"/>
               </a:rPr>
               <a:t>*</a:t>
             </a:r>
             <a:r>
-              <a:rPr lang="en-US">
+              <a:rPr lang="en-US" dirty="0">
                 <a:latin typeface="Courier New" panose="02070309020205020404" pitchFamily="49" charset="0"/>
                 <a:cs typeface="Courier New" panose="02070309020205020404" pitchFamily="49" charset="0"/>
               </a:rPr>
               <a:t> , </a:t>
             </a:r>
             <a:r>
-              <a:rPr lang="en-US" b="1">
+              <a:rPr lang="en-US" b="1" dirty="0">
                 <a:latin typeface="Courier New" panose="02070309020205020404" pitchFamily="49" charset="0"/>
                 <a:cs typeface="Courier New" panose="02070309020205020404" pitchFamily="49" charset="0"/>
               </a:rPr>
               <a:t>?</a:t>
             </a:r>
             <a:r>
-              <a:rPr lang="en-US">
+              <a:rPr lang="en-US" dirty="0">
                 <a:latin typeface="Courier New" panose="02070309020205020404" pitchFamily="49" charset="0"/>
                 <a:cs typeface="Courier New" panose="02070309020205020404" pitchFamily="49" charset="0"/>
               </a:rPr>
               <a:t> , </a:t>
             </a:r>
             <a:r>
-              <a:rPr lang="en-US" b="1">
+              <a:rPr lang="en-US" b="1" dirty="0">
                 <a:latin typeface="Courier New" panose="02070309020205020404" pitchFamily="49" charset="0"/>
                 <a:cs typeface="Courier New" panose="02070309020205020404" pitchFamily="49" charset="0"/>
               </a:rPr>
               <a:t>[ ]</a:t>
             </a:r>
             <a:r>
-              <a:rPr lang="en-US">
+              <a:rPr lang="en-US" dirty="0">
                 <a:latin typeface="Courier New" panose="02070309020205020404" pitchFamily="49" charset="0"/>
                 <a:cs typeface="Courier New" panose="02070309020205020404" pitchFamily="49" charset="0"/>
               </a:rPr>
               <a:t> , </a:t>
             </a:r>
             <a:r>
-              <a:rPr lang="en-US" b="1">
+              <a:rPr lang="en-US" b="1" dirty="0">
                 <a:latin typeface="Courier New" panose="02070309020205020404" pitchFamily="49" charset="0"/>
                 <a:cs typeface="Courier New" panose="02070309020205020404" pitchFamily="49" charset="0"/>
               </a:rPr>
@@ -4983,7 +4983,7 @@
           <a:p>
             <a:pPr lvl="1"/>
             <a:r>
-              <a:rPr lang="en-US"/>
+              <a:rPr lang="en-US" dirty="0"/>
               <a:t>Demonstration</a:t>
             </a:r>
           </a:p>
@@ -4992,48 +4992,48 @@
               <a:buNone/>
             </a:pPr>
             <a:r>
-              <a:rPr lang="en-US" b="1"/>
+              <a:rPr lang="en-US" b="1" dirty="0"/>
               <a:t>Quoting Special Characters</a:t>
             </a:r>
           </a:p>
           <a:p>
             <a:pPr lvl="1"/>
             <a:r>
-              <a:rPr lang="en-US"/>
+              <a:rPr lang="en-US" dirty="0"/>
               <a:t>Purpose</a:t>
             </a:r>
           </a:p>
           <a:p>
             <a:pPr lvl="1"/>
             <a:r>
-              <a:rPr lang="en-US"/>
+              <a:rPr lang="en-US" dirty="0"/>
               <a:t>Backslash </a:t>
             </a:r>
             <a:r>
-              <a:rPr lang="en-US" b="1"/>
+              <a:rPr lang="en-US" b="1" dirty="0"/>
               <a:t>\</a:t>
             </a:r>
             <a:r>
-              <a:rPr lang="en-US"/>
+              <a:rPr lang="en-US" dirty="0"/>
               <a:t> , Single Quotes </a:t>
             </a:r>
             <a:r>
-              <a:rPr lang="en-US" b="1">
+              <a:rPr lang="en-US" b="1" dirty="0">
                 <a:latin typeface="Courier New" panose="02070309020205020404" pitchFamily="49" charset="0"/>
                 <a:cs typeface="Courier New" panose="02070309020205020404" pitchFamily="49" charset="0"/>
               </a:rPr>
               <a:t>‘’</a:t>
             </a:r>
             <a:r>
-              <a:rPr lang="en-US"/>
+              <a:rPr lang="en-US" dirty="0"/>
               <a:t>,  Double Quotes</a:t>
             </a:r>
             <a:r>
-              <a:rPr lang="en-US" b="1"/>
+              <a:rPr lang="en-US" b="1" dirty="0"/>
               <a:t>  </a:t>
             </a:r>
             <a:r>
-              <a:rPr lang="en-US" b="1">
+              <a:rPr lang="en-US" b="1" dirty="0">
                 <a:latin typeface="Courier New" panose="02070309020205020404" pitchFamily="49" charset="0"/>
                 <a:cs typeface="Courier New" panose="02070309020205020404" pitchFamily="49" charset="0"/>
               </a:rPr>
@@ -5043,7 +5043,7 @@
           <a:p>
             <a:pPr lvl="1"/>
             <a:r>
-              <a:rPr lang="en-US"/>
+              <a:rPr lang="en-US" dirty="0"/>
               <a:t>Demonstration</a:t>
             </a:r>
           </a:p>
@@ -5052,72 +5052,27 @@
               <a:buNone/>
             </a:pPr>
             <a:r>
-              <a:rPr lang="en-US" b="1"/>
+              <a:rPr lang="en-US" b="1" dirty="0"/>
               <a:t>Perform Week 3 Tutorial</a:t>
             </a:r>
           </a:p>
           <a:p>
             <a:pPr lvl="1"/>
             <a:r>
-              <a:rPr lang="en-US"/>
+              <a:rPr lang="en-US" dirty="0"/>
               <a:t>INVESTIGATIONS 2 and 3</a:t>
             </a:r>
           </a:p>
           <a:p>
             <a:pPr lvl="1"/>
             <a:r>
-              <a:rPr lang="en-US"/>
+              <a:rPr lang="en-US" dirty="0"/>
               <a:t>LINUX PRACTICE QUESTIONS (Questions 9 – 13)</a:t>
             </a:r>
-          </a:p>
-          <a:p>
-            <a:pPr marL="0" indent="0">
-              <a:buNone/>
-            </a:pPr>
-            <a:r>
-              <a:rPr lang="en-US" b="1"/>
-              <a:t>Complete Assignment 1</a:t>
-            </a:r>
-            <a:r>
-              <a:rPr lang="en-US"/>
-              <a:t> (remaining parts </a:t>
-            </a:r>
-            <a:r>
-              <a:rPr lang="en-US" b="1"/>
-              <a:t>3</a:t>
-            </a:r>
-            <a:r>
-              <a:rPr lang="en-US"/>
-              <a:t>, </a:t>
-            </a:r>
-            <a:r>
-              <a:rPr lang="en-US" b="1"/>
-              <a:t>4</a:t>
-            </a:r>
-            <a:r>
-              <a:rPr lang="en-US"/>
-              <a:t>, </a:t>
-            </a:r>
-            <a:r>
-              <a:rPr lang="en-US" b="1"/>
-              <a:t>5</a:t>
-            </a:r>
-            <a:r>
-              <a:rPr lang="en-US"/>
-              <a:t> and </a:t>
-            </a:r>
-            <a:r>
-              <a:rPr lang="en-US" b="1"/>
-              <a:t>6</a:t>
-            </a:r>
-            <a:r>
-              <a:rPr lang="en-US"/>
-              <a:t>)</a:t>
-            </a:r>
             <a:br>
-              <a:rPr lang="en-US"/>
+              <a:rPr lang="en-US" dirty="0"/>
             </a:br>
-            <a:endParaRPr lang="en-US"/>
+            <a:endParaRPr lang="en-US" dirty="0"/>
           </a:p>
         </p:txBody>
       </p:sp>
@@ -5514,55 +5469,6 @@
                                           <p:spTgt spid="3">
                                             <p:txEl>
                                               <p:pRg st="10" end="10"/>
-                                            </p:txEl>
-                                          </p:spTgt>
-                                        </p:tgtEl>
-                                        <p:attrNameLst>
-                                          <p:attrName>style.visibility</p:attrName>
-                                        </p:attrNameLst>
-                                      </p:cBhvr>
-                                      <p:to>
-                                        <p:strVal val="visible"/>
-                                      </p:to>
-                                    </p:set>
-                                  </p:childTnLst>
-                                </p:cTn>
-                              </p:par>
-                            </p:childTnLst>
-                          </p:cTn>
-                        </p:par>
-                      </p:childTnLst>
-                    </p:cTn>
-                  </p:par>
-                  <p:par>
-                    <p:cTn id="31" fill="hold">
-                      <p:stCondLst>
-                        <p:cond delay="indefinite"/>
-                      </p:stCondLst>
-                      <p:childTnLst>
-                        <p:par>
-                          <p:cTn id="32" fill="hold">
-                            <p:stCondLst>
-                              <p:cond delay="0"/>
-                            </p:stCondLst>
-                            <p:childTnLst>
-                              <p:par>
-                                <p:cTn id="33" presetID="1" presetClass="entr" presetSubtype="0" fill="hold" grpId="0" nodeType="clickEffect">
-                                  <p:stCondLst>
-                                    <p:cond delay="0"/>
-                                  </p:stCondLst>
-                                  <p:childTnLst>
-                                    <p:set>
-                                      <p:cBhvr>
-                                        <p:cTn id="34" dur="1" fill="hold">
-                                          <p:stCondLst>
-                                            <p:cond delay="0"/>
-                                          </p:stCondLst>
-                                        </p:cTn>
-                                        <p:tgtEl>
-                                          <p:spTgt spid="3">
-                                            <p:txEl>
-                                              <p:pRg st="11" end="11"/>
                                             </p:txEl>
                                           </p:spTgt>
                                         </p:tgtEl>
@@ -10297,7 +10203,7 @@
               <a:buNone/>
             </a:pPr>
             <a:r>
-              <a:rPr lang="en-CA" sz="2400" b="1"/>
+              <a:rPr lang="en-CA" sz="2400" b="1" dirty="0"/>
               <a:t>Getting Practice</a:t>
             </a:r>
           </a:p>
@@ -10306,89 +10212,81 @@
               <a:buNone/>
             </a:pPr>
             <a:r>
-              <a:rPr lang="en-CA"/>
-              <a:t>To get practice to help perform </a:t>
-            </a:r>
-            <a:r>
-              <a:rPr lang="en-CA" b="1"/>
-              <a:t>assignment #1</a:t>
-            </a:r>
-            <a:r>
-              <a:rPr lang="en-CA"/>
-              <a:t>, perform the online tutorial </a:t>
+              <a:rPr lang="en-CA" dirty="0"/>
+              <a:t>To get practice perform the online tutorial </a:t>
             </a:r>
             <a:br>
-              <a:rPr lang="en-CA"/>
+              <a:rPr lang="en-CA" dirty="0"/>
             </a:br>
             <a:r>
-              <a:rPr lang="en-CA" b="1"/>
+              <a:rPr lang="en-CA" b="1" dirty="0"/>
               <a:t>Tutorial3: Unix / Linux File Management </a:t>
             </a:r>
             <a:r>
-              <a:rPr lang="en-CA"/>
+              <a:rPr lang="en-CA" dirty="0"/>
               <a:t>(</a:t>
             </a:r>
             <a:r>
-              <a:rPr lang="en-CA" b="1"/>
+              <a:rPr lang="en-CA" b="1" dirty="0"/>
               <a:t>ctrl-click</a:t>
             </a:r>
             <a:r>
-              <a:rPr lang="en-CA"/>
+              <a:rPr lang="en-CA" dirty="0"/>
               <a:t> to open link):</a:t>
             </a:r>
             <a:br>
-              <a:rPr lang="en-CA" sz="1600"/>
+              <a:rPr lang="en-CA" sz="1600" dirty="0"/>
             </a:br>
-            <a:endParaRPr lang="en-CA" sz="1600"/>
+            <a:endParaRPr lang="en-CA" sz="1600" dirty="0"/>
           </a:p>
           <a:p>
             <a:pPr lvl="1"/>
             <a:r>
-              <a:rPr lang="en-CA">
+              <a:rPr lang="en-CA" dirty="0">
                 <a:hlinkClick r:id="rId2"/>
               </a:rPr>
               <a:t>INVESTIGATION 2: FILENAME EXPANSION</a:t>
             </a:r>
             <a:br>
-              <a:rPr lang="en-CA"/>
+              <a:rPr lang="en-CA" dirty="0"/>
             </a:br>
-            <a:endParaRPr lang="en-CA"/>
+            <a:endParaRPr lang="en-CA" dirty="0"/>
           </a:p>
           <a:p>
             <a:pPr lvl="1"/>
             <a:r>
-              <a:rPr lang="en-CA">
+              <a:rPr lang="en-CA" dirty="0">
                 <a:hlinkClick r:id="rId3"/>
               </a:rPr>
               <a:t>INVESTIGATION 3: QUOTING SPECIAL CHARACTERS</a:t>
             </a:r>
             <a:br>
-              <a:rPr lang="en-CA"/>
+              <a:rPr lang="en-CA" dirty="0"/>
             </a:br>
-            <a:endParaRPr lang="en-CA"/>
+            <a:endParaRPr lang="en-CA" dirty="0"/>
           </a:p>
           <a:p>
             <a:pPr lvl="1"/>
             <a:r>
-              <a:rPr lang="en-CA">
+              <a:rPr lang="en-CA" dirty="0">
                 <a:hlinkClick r:id="rId4"/>
               </a:rPr>
               <a:t>LINUX PRACTICE QUESTIONS</a:t>
             </a:r>
             <a:r>
-              <a:rPr lang="en-CA"/>
+              <a:rPr lang="en-CA" dirty="0"/>
               <a:t>  (Questions 9 – 13)</a:t>
             </a:r>
             <a:br>
-              <a:rPr lang="en-US" sz="1900"/>
+              <a:rPr lang="en-US" sz="1900" dirty="0"/>
             </a:br>
-            <a:endParaRPr lang="en-CA" sz="2200"/>
+            <a:endParaRPr lang="en-CA" sz="2200" dirty="0"/>
           </a:p>
           <a:p>
             <a:pPr marL="0" indent="0">
               <a:buNone/>
             </a:pPr>
-            <a:endParaRPr lang="en-US"/>
+            <a:endParaRPr lang="en-US" dirty="0"/>
           </a:p>
         </p:txBody>
       </p:sp>
@@ -10691,118 +10589,118 @@
               <a:buNone/>
             </a:pPr>
             <a:r>
-              <a:rPr lang="en-CA" sz="2400" b="1"/>
+              <a:rPr lang="en-CA" sz="2400" b="1" dirty="0"/>
               <a:t>Purpose of File Pathnames</a:t>
             </a:r>
             <a:br>
-              <a:rPr lang="en-CA" b="1"/>
+              <a:rPr lang="en-CA" b="1" dirty="0"/>
             </a:br>
-            <a:endParaRPr lang="en-CA" b="1"/>
+            <a:endParaRPr lang="en-CA" b="1" dirty="0"/>
           </a:p>
           <a:p>
             <a:pPr marL="0" indent="0">
               <a:buNone/>
             </a:pPr>
             <a:r>
-              <a:rPr lang="en-CA"/>
+              <a:rPr lang="en-CA" dirty="0"/>
               <a:t>As previously mentioned, a </a:t>
             </a:r>
             <a:r>
-              <a:rPr lang="en-CA" b="1"/>
+              <a:rPr lang="en-CA" b="1" dirty="0"/>
               <a:t>pathname</a:t>
             </a:r>
             <a:r>
-              <a:rPr lang="en-CA"/>
+              <a:rPr lang="en-CA" dirty="0"/>
               <a:t> is a </a:t>
             </a:r>
             <a:r>
-              <a:rPr lang="en-CA" b="1"/>
+              <a:rPr lang="en-CA" b="1" dirty="0"/>
               <a:t>fully-specified location</a:t>
             </a:r>
             <a:r>
-              <a:rPr lang="en-CA"/>
+              <a:rPr lang="en-CA" dirty="0"/>
               <a:t> of a unique filename within a </a:t>
             </a:r>
             <a:br>
-              <a:rPr lang="en-CA"/>
+              <a:rPr lang="en-CA" dirty="0"/>
             </a:br>
             <a:r>
-              <a:rPr lang="en-CA"/>
+              <a:rPr lang="en-CA" dirty="0"/>
               <a:t>file system. The concept of a pathname relates to every operating system including:</a:t>
             </a:r>
             <a:br>
-              <a:rPr lang="en-CA"/>
+              <a:rPr lang="en-CA" dirty="0"/>
             </a:br>
             <a:r>
-              <a:rPr lang="en-CA"/>
+              <a:rPr lang="en-CA" dirty="0"/>
               <a:t> </a:t>
             </a:r>
             <a:r>
-              <a:rPr lang="en-CA" b="1"/>
+              <a:rPr lang="en-CA" b="1" dirty="0"/>
               <a:t>Unix</a:t>
             </a:r>
             <a:r>
-              <a:rPr lang="en-CA"/>
+              <a:rPr lang="en-CA" dirty="0"/>
               <a:t>, </a:t>
             </a:r>
             <a:r>
-              <a:rPr lang="en-CA" b="1"/>
+              <a:rPr lang="en-CA" b="1" dirty="0"/>
               <a:t>Linux</a:t>
             </a:r>
             <a:r>
-              <a:rPr lang="en-CA"/>
+              <a:rPr lang="en-CA" dirty="0"/>
               <a:t>, </a:t>
             </a:r>
             <a:r>
-              <a:rPr lang="en-CA" b="1"/>
+              <a:rPr lang="en-CA" b="1" dirty="0"/>
               <a:t>MS-DOS</a:t>
             </a:r>
             <a:r>
-              <a:rPr lang="en-CA"/>
+              <a:rPr lang="en-CA" dirty="0"/>
               <a:t>,  </a:t>
             </a:r>
             <a:r>
-              <a:rPr lang="en-CA" b="1"/>
+              <a:rPr lang="en-CA" b="1" dirty="0"/>
               <a:t>MS-Windows</a:t>
             </a:r>
             <a:r>
-              <a:rPr lang="en-CA"/>
+              <a:rPr lang="en-CA" dirty="0"/>
               <a:t>, </a:t>
             </a:r>
             <a:r>
-              <a:rPr lang="en-CA" b="1"/>
+              <a:rPr lang="en-CA" b="1" dirty="0"/>
               <a:t>Apple-Macintosh</a:t>
             </a:r>
             <a:r>
-              <a:rPr lang="en-CA"/>
+              <a:rPr lang="en-CA" dirty="0"/>
               <a:t>, etc.</a:t>
             </a:r>
             <a:br>
-              <a:rPr lang="en-CA"/>
+              <a:rPr lang="en-CA" dirty="0"/>
             </a:br>
-            <a:endParaRPr lang="en-CA"/>
+            <a:endParaRPr lang="en-CA" dirty="0"/>
           </a:p>
           <a:p>
             <a:pPr marL="0" indent="0">
               <a:buNone/>
             </a:pPr>
             <a:r>
-              <a:rPr lang="en-CA"/>
+              <a:rPr lang="en-CA" dirty="0"/>
               <a:t>Last week, we used a pathname from our home directory to create and manipulate directories </a:t>
             </a:r>
             <a:br>
-              <a:rPr lang="en-CA"/>
+              <a:rPr lang="en-CA" dirty="0"/>
             </a:br>
             <a:r>
-              <a:rPr lang="en-CA"/>
+              <a:rPr lang="en-CA" dirty="0"/>
               <a:t>and text files. There are different </a:t>
             </a:r>
             <a:r>
-              <a:rPr lang="en-CA" b="1"/>
+              <a:rPr lang="en-CA" b="1" dirty="0"/>
               <a:t>types of pathnames </a:t>
             </a:r>
             <a:r>
-              <a:rPr lang="en-CA"/>
+              <a:rPr lang="en-CA" dirty="0"/>
               <a:t>that we can use to access a directory or text file.</a:t>
             </a:r>
           </a:p>
@@ -10811,37 +10709,29 @@
               <a:buNone/>
             </a:pPr>
             <a:r>
-              <a:rPr lang="en-CA" b="1"/>
+              <a:rPr lang="en-CA" b="1" dirty="0"/>
               <a:t>For Example:</a:t>
             </a:r>
             <a:br>
-              <a:rPr lang="en-CA"/>
+              <a:rPr lang="en-CA" dirty="0"/>
             </a:br>
             <a:br>
-              <a:rPr lang="en-CA"/>
+              <a:rPr lang="en-CA" dirty="0"/>
             </a:br>
             <a:r>
-              <a:rPr lang="en-CA" b="1"/>
+              <a:rPr lang="en-CA" b="1" dirty="0"/>
               <a:t>/home/</a:t>
             </a:r>
             <a:r>
-              <a:rPr lang="en-CA" b="1" err="1"/>
+              <a:rPr lang="en-CA" b="1" dirty="0" err="1"/>
               <a:t>userid</a:t>
             </a:r>
             <a:r>
-              <a:rPr lang="en-CA" b="1"/>
-              <a:t>/uli101/</a:t>
-            </a:r>
-            <a:r>
-              <a:rPr lang="en-CA" b="1" err="1"/>
-              <a:t>cars.txt</a:t>
-            </a:r>
-            <a:r>
-              <a:rPr lang="en-CA" b="1"/>
-              <a:t> (</a:t>
-            </a:r>
-            <a:r>
-              <a:rPr lang="en-CA" b="1">
+              <a:rPr lang="en-CA" b="1" dirty="0"/>
+              <a:t>/osl640/cars.txt (</a:t>
+            </a:r>
+            <a:r>
+              <a:rPr lang="en-CA" b="1" dirty="0">
                 <a:solidFill>
                   <a:srgbClr val="0070C0"/>
                 </a:solidFill>
@@ -10849,26 +10739,18 @@
               <a:t>absolute pathname</a:t>
             </a:r>
             <a:r>
-              <a:rPr lang="en-CA" b="1"/>
+              <a:rPr lang="en-CA" b="1" dirty="0"/>
               <a:t>)</a:t>
             </a:r>
             <a:br>
-              <a:rPr lang="en-CA" b="1"/>
+              <a:rPr lang="en-CA" b="1" dirty="0"/>
             </a:br>
             <a:r>
-              <a:rPr lang="en-CA" b="1"/>
-              <a:t>samples/</a:t>
-            </a:r>
-            <a:r>
-              <a:rPr lang="en-CA" b="1" err="1"/>
-              <a:t>cars.txt</a:t>
-            </a:r>
-            <a:r>
-              <a:rPr lang="en-CA" b="1"/>
-              <a:t> (</a:t>
-            </a:r>
-            <a:r>
-              <a:rPr lang="en-CA" b="1">
+              <a:rPr lang="en-CA" b="1" dirty="0"/>
+              <a:t>samples/cars.txt (</a:t>
+            </a:r>
+            <a:r>
+              <a:rPr lang="en-CA" b="1" dirty="0">
                 <a:solidFill>
                   <a:srgbClr val="0070C0"/>
                 </a:solidFill>
@@ -10876,26 +10758,18 @@
               <a:t>relative pathname</a:t>
             </a:r>
             <a:r>
-              <a:rPr lang="en-CA" b="1"/>
+              <a:rPr lang="en-CA" b="1" dirty="0"/>
               <a:t>)</a:t>
             </a:r>
             <a:br>
-              <a:rPr lang="en-CA" b="1"/>
+              <a:rPr lang="en-CA" b="1" dirty="0"/>
             </a:br>
             <a:r>
-              <a:rPr lang="en-CA" b="1"/>
-              <a:t>~/</a:t>
-            </a:r>
-            <a:r>
-              <a:rPr lang="en-CA" b="1" err="1"/>
-              <a:t>cars.txt</a:t>
-            </a:r>
-            <a:r>
-              <a:rPr lang="en-CA" b="1"/>
-              <a:t> (</a:t>
-            </a:r>
-            <a:r>
-              <a:rPr lang="en-CA" b="1">
+              <a:rPr lang="en-CA" b="1" dirty="0"/>
+              <a:t>~/cars.txt (</a:t>
+            </a:r>
+            <a:r>
+              <a:rPr lang="en-CA" b="1" dirty="0">
                 <a:solidFill>
                   <a:srgbClr val="0070C0"/>
                 </a:solidFill>
@@ -10903,43 +10777,43 @@
               <a:t>relative-to-home pathname</a:t>
             </a:r>
             <a:r>
-              <a:rPr lang="en-CA" b="1"/>
+              <a:rPr lang="en-CA" b="1" dirty="0"/>
               <a:t>)</a:t>
             </a:r>
             <a:br>
-              <a:rPr lang="en-CA" b="1"/>
+              <a:rPr lang="en-CA" b="1" dirty="0"/>
             </a:br>
-            <a:endParaRPr lang="en-CA" b="1"/>
+            <a:endParaRPr lang="en-CA" b="1" dirty="0"/>
           </a:p>
           <a:p>
             <a:pPr marL="0" indent="0">
               <a:buNone/>
             </a:pPr>
             <a:r>
-              <a:rPr lang="en-CA"/>
+              <a:rPr lang="en-CA" dirty="0"/>
               <a:t>These types of file pathnames can make it more </a:t>
             </a:r>
             <a:r>
-              <a:rPr lang="en-CA" b="1"/>
+              <a:rPr lang="en-CA" b="1" dirty="0"/>
               <a:t>efficient</a:t>
             </a:r>
             <a:r>
-              <a:rPr lang="en-CA"/>
+              <a:rPr lang="en-CA" dirty="0"/>
               <a:t> (i.e. </a:t>
             </a:r>
             <a:r>
-              <a:rPr lang="en-CA" b="1"/>
+              <a:rPr lang="en-CA" b="1" dirty="0"/>
               <a:t>less keystrokes </a:t>
             </a:r>
             <a:r>
-              <a:rPr lang="en-CA"/>
+              <a:rPr lang="en-CA" dirty="0"/>
               <a:t>for users to type)  </a:t>
             </a:r>
             <a:br>
-              <a:rPr lang="en-CA"/>
+              <a:rPr lang="en-CA" dirty="0"/>
             </a:br>
             <a:r>
-              <a:rPr lang="en-CA"/>
+              <a:rPr lang="en-CA" dirty="0"/>
               <a:t>when issuing Unix and Linux commands.</a:t>
             </a:r>
           </a:p>
@@ -11887,100 +11761,100 @@
               <a:buNone/>
             </a:pPr>
             <a:r>
-              <a:rPr lang="en-CA" b="1"/>
+              <a:rPr lang="en-CA" b="1" dirty="0"/>
               <a:t>Absolute Pathnames</a:t>
             </a:r>
-            <a:endParaRPr lang="en-CA"/>
+            <a:endParaRPr lang="en-CA" dirty="0"/>
           </a:p>
           <a:p>
             <a:pPr marL="0" indent="0">
               <a:buNone/>
             </a:pPr>
             <a:r>
-              <a:rPr lang="en-CA"/>
+              <a:rPr lang="en-CA" dirty="0"/>
               <a:t>Advantages of using Absolute Pathnames:</a:t>
             </a:r>
             <a:br>
-              <a:rPr lang="en-CA" i="1"/>
+              <a:rPr lang="en-CA" i="1" dirty="0"/>
             </a:br>
-            <a:endParaRPr lang="en-CA"/>
+            <a:endParaRPr lang="en-CA" dirty="0"/>
           </a:p>
           <a:p>
             <a:pPr lvl="1"/>
             <a:r>
-              <a:rPr lang="en-CA"/>
+              <a:rPr lang="en-CA" dirty="0"/>
               <a:t>Useful if you do NOT know your current directory location</a:t>
             </a:r>
           </a:p>
           <a:p>
             <a:pPr lvl="1"/>
             <a:r>
-              <a:rPr lang="en-CA"/>
+              <a:rPr lang="en-CA" dirty="0"/>
               <a:t>Helps you to understand the FULL layout of pathname</a:t>
             </a:r>
             <a:br>
-              <a:rPr lang="en-CA"/>
+              <a:rPr lang="en-CA" dirty="0"/>
             </a:br>
-            <a:endParaRPr lang="en-CA"/>
+            <a:endParaRPr lang="en-CA" dirty="0"/>
           </a:p>
           <a:p>
             <a:pPr marL="0" indent="0">
               <a:buNone/>
             </a:pPr>
             <a:r>
-              <a:rPr lang="en-CA"/>
+              <a:rPr lang="en-CA" dirty="0"/>
               <a:t>Examples:</a:t>
             </a:r>
             <a:br>
-              <a:rPr lang="en-CA" i="1"/>
+              <a:rPr lang="en-CA" i="1" dirty="0"/>
             </a:br>
             <a:br>
-              <a:rPr lang="en-CA" i="1"/>
+              <a:rPr lang="en-CA" i="1" dirty="0"/>
             </a:br>
             <a:r>
-              <a:rPr lang="en-CA" b="1" i="1">
+              <a:rPr lang="en-CA" b="1" i="1" dirty="0">
                 <a:latin typeface="Courier New" panose="02070309020205020404" pitchFamily="49" charset="0"/>
                 <a:cs typeface="Courier New" panose="02070309020205020404" pitchFamily="49" charset="0"/>
               </a:rPr>
               <a:t>/bin</a:t>
             </a:r>
             <a:br>
-              <a:rPr lang="en-CA" b="1" i="1">
+              <a:rPr lang="en-CA" b="1" i="1" dirty="0">
                 <a:latin typeface="Courier New" panose="02070309020205020404" pitchFamily="49" charset="0"/>
                 <a:cs typeface="Courier New" panose="02070309020205020404" pitchFamily="49" charset="0"/>
               </a:rPr>
             </a:br>
             <a:r>
-              <a:rPr lang="en-CA" b="1" i="1">
+              <a:rPr lang="en-CA" b="1" i="1" dirty="0">
                 <a:latin typeface="Courier New" panose="02070309020205020404" pitchFamily="49" charset="0"/>
                 <a:cs typeface="Courier New" panose="02070309020205020404" pitchFamily="49" charset="0"/>
               </a:rPr>
               <a:t>/home/</a:t>
             </a:r>
             <a:r>
-              <a:rPr lang="en-CA" b="1" i="1" err="1">
+              <a:rPr lang="en-CA" b="1" i="1" dirty="0" err="1">
                 <a:latin typeface="Courier New" panose="02070309020205020404" pitchFamily="49" charset="0"/>
                 <a:cs typeface="Courier New" panose="02070309020205020404" pitchFamily="49" charset="0"/>
               </a:rPr>
               <a:t>userid</a:t>
             </a:r>
             <a:r>
-              <a:rPr lang="en-CA" b="1" i="1">
+              <a:rPr lang="en-CA" b="1" i="1" dirty="0">
                 <a:latin typeface="Courier New" panose="02070309020205020404" pitchFamily="49" charset="0"/>
                 <a:cs typeface="Courier New" panose="02070309020205020404" pitchFamily="49" charset="0"/>
               </a:rPr>
               <a:t>/uli101/examples</a:t>
             </a:r>
             <a:br>
-              <a:rPr lang="en-CA"/>
+              <a:rPr lang="en-CA" dirty="0"/>
             </a:br>
-            <a:endParaRPr lang="en-CA"/>
+            <a:endParaRPr lang="en-CA" dirty="0"/>
           </a:p>
           <a:p>
             <a:pPr marL="0" indent="0">
               <a:buNone/>
             </a:pPr>
-            <a:endParaRPr lang="en-US"/>
+            <a:endParaRPr lang="en-US" dirty="0"/>
           </a:p>
         </p:txBody>
       </p:sp>
@@ -15416,14 +15290,6 @@
 </file>
 
 <file path=customXml/item1.xml><?xml version="1.0" encoding="utf-8"?>
-<p:properties xmlns:p="http://schemas.microsoft.com/office/2006/metadata/properties" xmlns:xsi="http://www.w3.org/2001/XMLSchema-instance" xmlns:pc="http://schemas.microsoft.com/office/infopath/2007/PartnerControls">
-  <documentManagement>
-    <Topic xmlns="83d6e24e-72d9-475f-86bc-baec43385f3c" xsi:nil="true"/>
-  </documentManagement>
-</p:properties>
-</file>
-
-<file path=customXml/item2.xml><?xml version="1.0" encoding="utf-8"?>
 <ct:contentTypeSchema xmlns:ct="http://schemas.microsoft.com/office/2006/metadata/contentType" xmlns:ma="http://schemas.microsoft.com/office/2006/metadata/properties/metaAttributes" ct:_="" ma:_="" ma:contentTypeName="Document" ma:contentTypeID="0x01010056452DA2941485459CFE4F1403BD78A3" ma:contentTypeVersion="9" ma:contentTypeDescription="Create a new document." ma:contentTypeScope="" ma:versionID="357b321f808c3dafe873831e74252754">
   <xsd:schema xmlns:xsd="http://www.w3.org/2001/XMLSchema" xmlns:xs="http://www.w3.org/2001/XMLSchema" xmlns:p="http://schemas.microsoft.com/office/2006/metadata/properties" xmlns:ns2="83d6e24e-72d9-475f-86bc-baec43385f3c" targetNamespace="http://schemas.microsoft.com/office/2006/metadata/properties" ma:root="true" ma:fieldsID="420a8f89f5a6e51c7100d689e8b47153" ns2:_="">
     <xsd:import namespace="83d6e24e-72d9-475f-86bc-baec43385f3c"/>
@@ -15603,6 +15469,14 @@
 </ct:contentTypeSchema>
 </file>
 
+<file path=customXml/item2.xml><?xml version="1.0" encoding="utf-8"?>
+<p:properties xmlns:p="http://schemas.microsoft.com/office/2006/metadata/properties" xmlns:xsi="http://www.w3.org/2001/XMLSchema-instance" xmlns:pc="http://schemas.microsoft.com/office/infopath/2007/PartnerControls">
+  <documentManagement>
+    <Topic xmlns="83d6e24e-72d9-475f-86bc-baec43385f3c" xsi:nil="true"/>
+  </documentManagement>
+</p:properties>
+</file>
+
 <file path=customXml/item3.xml><?xml version="1.0" encoding="utf-8"?>
 <?mso-contentType ?>
 <FormTemplates xmlns="http://schemas.microsoft.com/sharepoint/v3/contenttype/forms">
@@ -15613,22 +15487,6 @@
 </file>
 
 <file path=customXml/itemProps1.xml><?xml version="1.0" encoding="utf-8"?>
-<ds:datastoreItem xmlns:ds="http://schemas.openxmlformats.org/officeDocument/2006/customXml" ds:itemID="{391FFCF4-E8B2-4C54-A7AD-4C90B6EA169C}">
-  <ds:schemaRefs>
-    <ds:schemaRef ds:uri="http://schemas.microsoft.com/office/2006/metadata/properties"/>
-    <ds:schemaRef ds:uri="http://schemas.microsoft.com/office/2006/documentManagement/types"/>
-    <ds:schemaRef ds:uri="http://purl.org/dc/dcmitype/"/>
-    <ds:schemaRef ds:uri="http://purl.org/dc/elements/1.1/"/>
-    <ds:schemaRef ds:uri="http://purl.org/dc/terms/"/>
-    <ds:schemaRef ds:uri="http://schemas.openxmlformats.org/package/2006/metadata/core-properties"/>
-    <ds:schemaRef ds:uri="http://schemas.microsoft.com/office/infopath/2007/PartnerControls"/>
-    <ds:schemaRef ds:uri="83d6e24e-72d9-475f-86bc-baec43385f3c"/>
-    <ds:schemaRef ds:uri="http://www.w3.org/XML/1998/namespace"/>
-  </ds:schemaRefs>
-</ds:datastoreItem>
-</file>
-
-<file path=customXml/itemProps2.xml><?xml version="1.0" encoding="utf-8"?>
 <ds:datastoreItem xmlns:ds="http://schemas.openxmlformats.org/officeDocument/2006/customXml" ds:itemID="{FB0400A8-3B7B-459D-BBB1-DE754F05AF0A}">
   <ds:schemaRefs>
     <ds:schemaRef ds:uri="http://schemas.microsoft.com/office/2006/metadata/contentType"/>
@@ -15646,6 +15504,22 @@
 </ds:datastoreItem>
 </file>
 
+<file path=customXml/itemProps2.xml><?xml version="1.0" encoding="utf-8"?>
+<ds:datastoreItem xmlns:ds="http://schemas.openxmlformats.org/officeDocument/2006/customXml" ds:itemID="{391FFCF4-E8B2-4C54-A7AD-4C90B6EA169C}">
+  <ds:schemaRefs>
+    <ds:schemaRef ds:uri="http://schemas.microsoft.com/office/2006/metadata/properties"/>
+    <ds:schemaRef ds:uri="http://schemas.microsoft.com/office/2006/documentManagement/types"/>
+    <ds:schemaRef ds:uri="http://purl.org/dc/dcmitype/"/>
+    <ds:schemaRef ds:uri="http://purl.org/dc/elements/1.1/"/>
+    <ds:schemaRef ds:uri="http://purl.org/dc/terms/"/>
+    <ds:schemaRef ds:uri="http://schemas.openxmlformats.org/package/2006/metadata/core-properties"/>
+    <ds:schemaRef ds:uri="http://schemas.microsoft.com/office/infopath/2007/PartnerControls"/>
+    <ds:schemaRef ds:uri="83d6e24e-72d9-475f-86bc-baec43385f3c"/>
+    <ds:schemaRef ds:uri="http://www.w3.org/XML/1998/namespace"/>
+  </ds:schemaRefs>
+</ds:datastoreItem>
+</file>
+
 <file path=customXml/itemProps3.xml><?xml version="1.0" encoding="utf-8"?>
 <ds:datastoreItem xmlns:ds="http://schemas.openxmlformats.org/officeDocument/2006/customXml" ds:itemID="{E4F2F676-F103-4FAB-9780-9A4733C24970}">
   <ds:schemaRefs>
